--- a/docSlidesAndReport/KSCManagementEvent.pptx
+++ b/docSlidesAndReport/KSCManagementEvent.pptx
@@ -5,7 +5,7 @@
     <p:sldMasterId id="2147483725" r:id="rId1"/>
   </p:sldMasterIdLst>
   <p:notesMasterIdLst>
-    <p:notesMasterId r:id="rId10"/>
+    <p:notesMasterId r:id="rId9"/>
   </p:notesMasterIdLst>
   <p:sldIdLst>
     <p:sldId id="256" r:id="rId2"/>
@@ -13,9 +13,8 @@
     <p:sldId id="257" r:id="rId4"/>
     <p:sldId id="258" r:id="rId5"/>
     <p:sldId id="259" r:id="rId6"/>
-    <p:sldId id="260" r:id="rId7"/>
-    <p:sldId id="261" r:id="rId8"/>
-    <p:sldId id="262" r:id="rId9"/>
+    <p:sldId id="261" r:id="rId7"/>
+    <p:sldId id="262" r:id="rId8"/>
   </p:sldIdLst>
   <p:sldSz cx="12192000" cy="6858000"/>
   <p:notesSz cx="6858000" cy="9144000"/>
@@ -114,6 +113,11 @@
       </a:defRPr>
     </a:lvl9pPr>
   </p:defaultTextStyle>
+  <p:extLst>
+    <p:ext uri="{EFAFB233-063F-42B5-8137-9DF3F51BA10A}">
+      <p15:sldGuideLst xmlns:p15="http://schemas.microsoft.com/office/powerpoint/2012/main"/>
+    </p:ext>
+  </p:extLst>
 </p:presentation>
 </file>
 
@@ -199,7 +203,7 @@
           <a:p>
             <a:fld id="{687AE31C-3F47-4735-9876-1BAF6EFC5F1B}" type="datetimeFigureOut">
               <a:rPr lang="en-GB" smtClean="0"/>
-              <a:t>20/11/2014</a:t>
+              <a:t>21/11/2014</a:t>
             </a:fld>
             <a:endParaRPr lang="en-GB"/>
           </a:p>
@@ -786,7 +790,7 @@
           <a:p>
             <a:fld id="{5303CCC2-A9EA-4B90-8FDF-84BD9658648B}" type="datetimeFigureOut">
               <a:rPr lang="en-GB" smtClean="0"/>
-              <a:t>20/11/2014</a:t>
+              <a:t>21/11/2014</a:t>
             </a:fld>
             <a:endParaRPr lang="en-GB"/>
           </a:p>
@@ -1007,7 +1011,7 @@
           <a:p>
             <a:fld id="{5303CCC2-A9EA-4B90-8FDF-84BD9658648B}" type="datetimeFigureOut">
               <a:rPr lang="en-GB" smtClean="0"/>
-              <a:t>20/11/2014</a:t>
+              <a:t>21/11/2014</a:t>
             </a:fld>
             <a:endParaRPr lang="en-GB"/>
           </a:p>
@@ -1187,7 +1191,7 @@
           <a:p>
             <a:fld id="{5303CCC2-A9EA-4B90-8FDF-84BD9658648B}" type="datetimeFigureOut">
               <a:rPr lang="en-GB" smtClean="0"/>
-              <a:t>20/11/2014</a:t>
+              <a:t>21/11/2014</a:t>
             </a:fld>
             <a:endParaRPr lang="en-GB"/>
           </a:p>
@@ -1357,7 +1361,7 @@
           <a:p>
             <a:fld id="{5303CCC2-A9EA-4B90-8FDF-84BD9658648B}" type="datetimeFigureOut">
               <a:rPr lang="en-GB" smtClean="0"/>
-              <a:t>20/11/2014</a:t>
+              <a:t>21/11/2014</a:t>
             </a:fld>
             <a:endParaRPr lang="en-GB"/>
           </a:p>
@@ -1631,7 +1635,7 @@
           <a:p>
             <a:fld id="{5303CCC2-A9EA-4B90-8FDF-84BD9658648B}" type="datetimeFigureOut">
               <a:rPr lang="en-GB" smtClean="0"/>
-              <a:t>20/11/2014</a:t>
+              <a:t>21/11/2014</a:t>
             </a:fld>
             <a:endParaRPr lang="en-GB"/>
           </a:p>
@@ -1954,7 +1958,7 @@
           <a:p>
             <a:fld id="{5303CCC2-A9EA-4B90-8FDF-84BD9658648B}" type="datetimeFigureOut">
               <a:rPr lang="en-GB" smtClean="0"/>
-              <a:t>20/11/2014</a:t>
+              <a:t>21/11/2014</a:t>
             </a:fld>
             <a:endParaRPr lang="en-GB"/>
           </a:p>
@@ -2378,7 +2382,7 @@
           <a:p>
             <a:fld id="{5303CCC2-A9EA-4B90-8FDF-84BD9658648B}" type="datetimeFigureOut">
               <a:rPr lang="en-GB" smtClean="0"/>
-              <a:t>20/11/2014</a:t>
+              <a:t>21/11/2014</a:t>
             </a:fld>
             <a:endParaRPr lang="en-GB"/>
           </a:p>
@@ -2496,7 +2500,7 @@
           <a:p>
             <a:fld id="{5303CCC2-A9EA-4B90-8FDF-84BD9658648B}" type="datetimeFigureOut">
               <a:rPr lang="en-GB" smtClean="0"/>
-              <a:t>20/11/2014</a:t>
+              <a:t>21/11/2014</a:t>
             </a:fld>
             <a:endParaRPr lang="en-GB"/>
           </a:p>
@@ -2591,7 +2595,7 @@
           <a:p>
             <a:fld id="{5303CCC2-A9EA-4B90-8FDF-84BD9658648B}" type="datetimeFigureOut">
               <a:rPr lang="en-GB" smtClean="0"/>
-              <a:t>20/11/2014</a:t>
+              <a:t>21/11/2014</a:t>
             </a:fld>
             <a:endParaRPr lang="en-GB"/>
           </a:p>
@@ -2881,7 +2885,7 @@
           <a:p>
             <a:fld id="{5303CCC2-A9EA-4B90-8FDF-84BD9658648B}" type="datetimeFigureOut">
               <a:rPr lang="en-GB" smtClean="0"/>
-              <a:t>20/11/2014</a:t>
+              <a:t>21/11/2014</a:t>
             </a:fld>
             <a:endParaRPr lang="en-GB"/>
           </a:p>
@@ -3153,7 +3157,7 @@
           <a:p>
             <a:fld id="{5303CCC2-A9EA-4B90-8FDF-84BD9658648B}" type="datetimeFigureOut">
               <a:rPr lang="en-GB" smtClean="0"/>
-              <a:t>20/11/2014</a:t>
+              <a:t>21/11/2014</a:t>
             </a:fld>
             <a:endParaRPr lang="en-GB"/>
           </a:p>
@@ -3407,7 +3411,7 @@
           <a:p>
             <a:fld id="{5303CCC2-A9EA-4B90-8FDF-84BD9658648B}" type="datetimeFigureOut">
               <a:rPr lang="en-GB" smtClean="0"/>
-              <a:t>20/11/2014</a:t>
+              <a:t>21/11/2014</a:t>
             </a:fld>
             <a:endParaRPr lang="en-GB"/>
           </a:p>
@@ -4054,7 +4058,12 @@
             <p:ph type="title"/>
           </p:nvPr>
         </p:nvSpPr>
-        <p:spPr/>
+        <p:spPr>
+          <a:xfrm>
+            <a:off x="3246120" y="2731008"/>
+            <a:ext cx="9875520" cy="1356360"/>
+          </a:xfrm>
+        </p:spPr>
         <p:txBody>
           <a:bodyPr/>
           <a:lstStyle/>
@@ -4063,25 +4072,6 @@
               <a:rPr lang="en-GB" dirty="0" smtClean="0"/>
               <a:t>PROBLEM DEFINITION</a:t>
             </a:r>
-            <a:endParaRPr lang="en-GB" dirty="0"/>
-          </a:p>
-        </p:txBody>
-      </p:sp>
-      <p:sp>
-        <p:nvSpPr>
-          <p:cNvPr id="3" name="Content Placeholder 2"/>
-          <p:cNvSpPr>
-            <a:spLocks noGrp="1"/>
-          </p:cNvSpPr>
-          <p:nvPr>
-            <p:ph idx="1"/>
-          </p:nvPr>
-        </p:nvSpPr>
-        <p:spPr/>
-        <p:txBody>
-          <a:bodyPr/>
-          <a:lstStyle/>
-          <a:p>
             <a:endParaRPr lang="en-GB" dirty="0"/>
           </a:p>
         </p:txBody>
@@ -4161,7 +4151,27 @@
           <a:bodyPr/>
           <a:lstStyle/>
           <a:p>
-            <a:endParaRPr lang="en-GB"/>
+            <a:r>
+              <a:rPr lang="en-GB" dirty="0" smtClean="0"/>
+              <a:t>JSP and Servlet</a:t>
+            </a:r>
+          </a:p>
+          <a:p>
+            <a:r>
+              <a:rPr lang="en-GB" dirty="0" smtClean="0"/>
+              <a:t>MSSQL</a:t>
+            </a:r>
+          </a:p>
+          <a:p>
+            <a:r>
+              <a:rPr lang="en-GB" dirty="0" err="1" smtClean="0"/>
+              <a:t>Js</a:t>
+            </a:r>
+            <a:r>
+              <a:rPr lang="en-GB" dirty="0" smtClean="0"/>
+              <a:t>, jQuery</a:t>
+            </a:r>
+            <a:endParaRPr lang="en-GB" dirty="0"/>
           </a:p>
         </p:txBody>
       </p:sp>
@@ -4313,85 +4323,6 @@
           <a:p>
             <a:r>
               <a:rPr lang="en-GB" dirty="0" smtClean="0"/>
-              <a:t>DATA FLOW</a:t>
-            </a:r>
-            <a:endParaRPr lang="en-GB" dirty="0"/>
-          </a:p>
-        </p:txBody>
-      </p:sp>
-      <p:sp>
-        <p:nvSpPr>
-          <p:cNvPr id="3" name="Content Placeholder 2"/>
-          <p:cNvSpPr>
-            <a:spLocks noGrp="1"/>
-          </p:cNvSpPr>
-          <p:nvPr>
-            <p:ph idx="1"/>
-          </p:nvPr>
-        </p:nvSpPr>
-        <p:spPr/>
-        <p:txBody>
-          <a:bodyPr/>
-          <a:lstStyle/>
-          <a:p>
-            <a:endParaRPr lang="en-GB"/>
-          </a:p>
-        </p:txBody>
-      </p:sp>
-    </p:spTree>
-    <p:extLst>
-      <p:ext uri="{BB962C8B-B14F-4D97-AF65-F5344CB8AC3E}">
-        <p14:creationId xmlns:p14="http://schemas.microsoft.com/office/powerpoint/2010/main" val="3081070935"/>
-      </p:ext>
-    </p:extLst>
-  </p:cSld>
-  <p:clrMapOvr>
-    <a:masterClrMapping/>
-  </p:clrMapOvr>
-  <p:timing>
-    <p:tnLst>
-      <p:par>
-        <p:cTn id="1" dur="indefinite" restart="never" nodeType="tmRoot"/>
-      </p:par>
-    </p:tnLst>
-  </p:timing>
-</p:sld>
-</file>
-
-<file path=ppt/slides/slide7.xml><?xml version="1.0" encoding="utf-8"?>
-<p:sld xmlns:a="http://schemas.openxmlformats.org/drawingml/2006/main" xmlns:r="http://schemas.openxmlformats.org/officeDocument/2006/relationships" xmlns:p="http://schemas.openxmlformats.org/presentationml/2006/main">
-  <p:cSld>
-    <p:spTree>
-      <p:nvGrpSpPr>
-        <p:cNvPr id="1" name=""/>
-        <p:cNvGrpSpPr/>
-        <p:nvPr/>
-      </p:nvGrpSpPr>
-      <p:grpSpPr>
-        <a:xfrm>
-          <a:off x="0" y="0"/>
-          <a:ext cx="0" cy="0"/>
-          <a:chOff x="0" y="0"/>
-          <a:chExt cx="0" cy="0"/>
-        </a:xfrm>
-      </p:grpSpPr>
-      <p:sp>
-        <p:nvSpPr>
-          <p:cNvPr id="2" name="Title 1"/>
-          <p:cNvSpPr>
-            <a:spLocks noGrp="1"/>
-          </p:cNvSpPr>
-          <p:nvPr>
-            <p:ph type="title"/>
-          </p:nvPr>
-        </p:nvSpPr>
-        <p:spPr/>
-        <p:txBody>
-          <a:bodyPr/>
-          <a:lstStyle/>
-          <a:p>
-            <a:r>
-              <a:rPr lang="en-GB" dirty="0" smtClean="0"/>
               <a:t>EXPERIENCES AFTER </a:t>
             </a:r>
             <a:r>
@@ -4417,7 +4348,34 @@
           <a:bodyPr/>
           <a:lstStyle/>
           <a:p>
-            <a:endParaRPr lang="en-GB"/>
+            <a:r>
+              <a:rPr lang="en-GB" dirty="0" smtClean="0"/>
+              <a:t>Learn more about JSP, Servlet</a:t>
+            </a:r>
+          </a:p>
+          <a:p>
+            <a:r>
+              <a:rPr lang="en-GB" dirty="0" err="1" smtClean="0"/>
+              <a:t>Javascript</a:t>
+            </a:r>
+            <a:r>
+              <a:rPr lang="en-GB" dirty="0" smtClean="0"/>
+              <a:t>, jQuery</a:t>
+            </a:r>
+          </a:p>
+          <a:p>
+            <a:r>
+              <a:rPr lang="en-GB" dirty="0" smtClean="0"/>
+              <a:t>Using </a:t>
+            </a:r>
+            <a:r>
+              <a:rPr lang="en-GB" dirty="0" err="1" smtClean="0"/>
+              <a:t>Github</a:t>
+            </a:r>
+            <a:endParaRPr lang="en-GB" dirty="0" smtClean="0"/>
+          </a:p>
+          <a:p>
+            <a:endParaRPr lang="en-GB" dirty="0"/>
           </a:p>
         </p:txBody>
       </p:sp>
@@ -4441,7 +4399,7 @@
 </p:sld>
 </file>
 
-<file path=ppt/slides/slide8.xml><?xml version="1.0" encoding="utf-8"?>
+<file path=ppt/slides/slide7.xml><?xml version="1.0" encoding="utf-8"?>
 <p:sld xmlns:a="http://schemas.openxmlformats.org/drawingml/2006/main" xmlns:r="http://schemas.openxmlformats.org/officeDocument/2006/relationships" xmlns:p="http://schemas.openxmlformats.org/presentationml/2006/main">
   <p:cSld>
     <p:spTree>
